--- a/static/slides/doe_diagrams.pptx
+++ b/static/slides/doe_diagrams.pptx
@@ -10,6 +10,7 @@
     <p:sldId id="258" r:id="rId4"/>
     <p:sldId id="259" r:id="rId5"/>
     <p:sldId id="260" r:id="rId6"/>
+    <p:sldId id="261" r:id="rId7"/>
   </p:sldIdLst>
   <p:sldSz cx="12192000" cy="6858000"/>
   <p:notesSz cx="6858000" cy="9144000"/>
@@ -108,6 +109,11 @@
       </a:defRPr>
     </a:lvl9pPr>
   </p:defaultTextStyle>
+  <p:extLst>
+    <p:ext uri="{EFAFB233-063F-42B5-8137-9DF3F51BA10A}">
+      <p15:sldGuideLst xmlns:p15="http://schemas.microsoft.com/office/powerpoint/2012/main"/>
+    </p:ext>
+  </p:extLst>
 </p:presentation>
 </file>
 
@@ -14914,7 +14920,7 @@
           <a:p>
             <a:fld id="{E6A68F91-40E8-6947-82C9-27DF81704ABE}" type="datetimeFigureOut">
               <a:rPr lang="en-US" smtClean="0"/>
-              <a:t>10/14/21</a:t>
+              <a:t>10/15/21</a:t>
             </a:fld>
             <a:endParaRPr lang="en-US"/>
           </a:p>
@@ -15112,7 +15118,7 @@
           <a:p>
             <a:fld id="{E6A68F91-40E8-6947-82C9-27DF81704ABE}" type="datetimeFigureOut">
               <a:rPr lang="en-US" smtClean="0"/>
-              <a:t>10/14/21</a:t>
+              <a:t>10/15/21</a:t>
             </a:fld>
             <a:endParaRPr lang="en-US"/>
           </a:p>
@@ -15320,7 +15326,7 @@
           <a:p>
             <a:fld id="{E6A68F91-40E8-6947-82C9-27DF81704ABE}" type="datetimeFigureOut">
               <a:rPr lang="en-US" smtClean="0"/>
-              <a:t>10/14/21</a:t>
+              <a:t>10/15/21</a:t>
             </a:fld>
             <a:endParaRPr lang="en-US"/>
           </a:p>
@@ -15518,7 +15524,7 @@
           <a:p>
             <a:fld id="{E6A68F91-40E8-6947-82C9-27DF81704ABE}" type="datetimeFigureOut">
               <a:rPr lang="en-US" smtClean="0"/>
-              <a:t>10/14/21</a:t>
+              <a:t>10/15/21</a:t>
             </a:fld>
             <a:endParaRPr lang="en-US"/>
           </a:p>
@@ -15793,7 +15799,7 @@
           <a:p>
             <a:fld id="{E6A68F91-40E8-6947-82C9-27DF81704ABE}" type="datetimeFigureOut">
               <a:rPr lang="en-US" smtClean="0"/>
-              <a:t>10/14/21</a:t>
+              <a:t>10/15/21</a:t>
             </a:fld>
             <a:endParaRPr lang="en-US"/>
           </a:p>
@@ -16058,7 +16064,7 @@
           <a:p>
             <a:fld id="{E6A68F91-40E8-6947-82C9-27DF81704ABE}" type="datetimeFigureOut">
               <a:rPr lang="en-US" smtClean="0"/>
-              <a:t>10/14/21</a:t>
+              <a:t>10/15/21</a:t>
             </a:fld>
             <a:endParaRPr lang="en-US"/>
           </a:p>
@@ -16470,7 +16476,7 @@
           <a:p>
             <a:fld id="{E6A68F91-40E8-6947-82C9-27DF81704ABE}" type="datetimeFigureOut">
               <a:rPr lang="en-US" smtClean="0"/>
-              <a:t>10/14/21</a:t>
+              <a:t>10/15/21</a:t>
             </a:fld>
             <a:endParaRPr lang="en-US"/>
           </a:p>
@@ -16611,7 +16617,7 @@
           <a:p>
             <a:fld id="{E6A68F91-40E8-6947-82C9-27DF81704ABE}" type="datetimeFigureOut">
               <a:rPr lang="en-US" smtClean="0"/>
-              <a:t>10/14/21</a:t>
+              <a:t>10/15/21</a:t>
             </a:fld>
             <a:endParaRPr lang="en-US"/>
           </a:p>
@@ -16724,7 +16730,7 @@
           <a:p>
             <a:fld id="{E6A68F91-40E8-6947-82C9-27DF81704ABE}" type="datetimeFigureOut">
               <a:rPr lang="en-US" smtClean="0"/>
-              <a:t>10/14/21</a:t>
+              <a:t>10/15/21</a:t>
             </a:fld>
             <a:endParaRPr lang="en-US"/>
           </a:p>
@@ -17035,7 +17041,7 @@
           <a:p>
             <a:fld id="{E6A68F91-40E8-6947-82C9-27DF81704ABE}" type="datetimeFigureOut">
               <a:rPr lang="en-US" smtClean="0"/>
-              <a:t>10/14/21</a:t>
+              <a:t>10/15/21</a:t>
             </a:fld>
             <a:endParaRPr lang="en-US"/>
           </a:p>
@@ -17323,7 +17329,7 @@
           <a:p>
             <a:fld id="{E6A68F91-40E8-6947-82C9-27DF81704ABE}" type="datetimeFigureOut">
               <a:rPr lang="en-US" smtClean="0"/>
-              <a:t>10/14/21</a:t>
+              <a:t>10/15/21</a:t>
             </a:fld>
             <a:endParaRPr lang="en-US"/>
           </a:p>
@@ -17564,7 +17570,7 @@
           <a:p>
             <a:fld id="{E6A68F91-40E8-6947-82C9-27DF81704ABE}" type="datetimeFigureOut">
               <a:rPr lang="en-US" smtClean="0"/>
-              <a:t>10/14/21</a:t>
+              <a:t>10/15/21</a:t>
             </a:fld>
             <a:endParaRPr lang="en-US"/>
           </a:p>
@@ -19613,6 +19619,855 @@
 </p:sld>
 </file>
 
+<file path=ppt/slides/slide6.xml><?xml version="1.0" encoding="utf-8"?>
+<p:sld xmlns:a="http://schemas.openxmlformats.org/drawingml/2006/main" xmlns:r="http://schemas.openxmlformats.org/officeDocument/2006/relationships" xmlns:p="http://schemas.openxmlformats.org/presentationml/2006/main">
+  <p:cSld>
+    <p:spTree>
+      <p:nvGrpSpPr>
+        <p:cNvPr id="1" name=""/>
+        <p:cNvGrpSpPr/>
+        <p:nvPr/>
+      </p:nvGrpSpPr>
+      <p:grpSpPr>
+        <a:xfrm>
+          <a:off x="0" y="0"/>
+          <a:ext cx="0" cy="0"/>
+          <a:chOff x="0" y="0"/>
+          <a:chExt cx="0" cy="0"/>
+        </a:xfrm>
+      </p:grpSpPr>
+      <p:sp>
+        <p:nvSpPr>
+          <p:cNvPr id="5" name="Rectangle 4">
+            <a:extLst>
+              <a:ext uri="{FF2B5EF4-FFF2-40B4-BE49-F238E27FC236}">
+                <a16:creationId xmlns:a16="http://schemas.microsoft.com/office/drawing/2014/main" id="{37D884E3-9B6A-0542-8CFE-4CFD66C7A35B}"/>
+              </a:ext>
+            </a:extLst>
+          </p:cNvPr>
+          <p:cNvSpPr/>
+          <p:nvPr/>
+        </p:nvSpPr>
+        <p:spPr>
+          <a:xfrm>
+            <a:off x="4463143" y="2340429"/>
+            <a:ext cx="3254828" cy="1763485"/>
+          </a:xfrm>
+          <a:prstGeom prst="rect">
+            <a:avLst/>
+          </a:prstGeom>
+          <a:solidFill>
+            <a:srgbClr val="92D050"/>
+          </a:solidFill>
+          <a:ln>
+            <a:solidFill>
+              <a:srgbClr val="92D050"/>
+            </a:solidFill>
+          </a:ln>
+        </p:spPr>
+        <p:style>
+          <a:lnRef idx="2">
+            <a:schemeClr val="accent1">
+              <a:shade val="50000"/>
+            </a:schemeClr>
+          </a:lnRef>
+          <a:fillRef idx="1">
+            <a:schemeClr val="accent1"/>
+          </a:fillRef>
+          <a:effectRef idx="0">
+            <a:schemeClr val="accent1"/>
+          </a:effectRef>
+          <a:fontRef idx="minor">
+            <a:schemeClr val="lt1"/>
+          </a:fontRef>
+        </p:style>
+        <p:txBody>
+          <a:bodyPr rtlCol="0" anchor="ctr"/>
+          <a:lstStyle/>
+          <a:p>
+            <a:pPr algn="ctr"/>
+            <a:endParaRPr lang="en-US"/>
+          </a:p>
+        </p:txBody>
+      </p:sp>
+      <p:cxnSp>
+        <p:nvCxnSpPr>
+          <p:cNvPr id="7" name="Straight Arrow Connector 6">
+            <a:extLst>
+              <a:ext uri="{FF2B5EF4-FFF2-40B4-BE49-F238E27FC236}">
+                <a16:creationId xmlns:a16="http://schemas.microsoft.com/office/drawing/2014/main" id="{F8FA48F0-D51D-8740-9AC9-C9F7FA3D0F30}"/>
+              </a:ext>
+            </a:extLst>
+          </p:cNvPr>
+          <p:cNvCxnSpPr/>
+          <p:nvPr/>
+        </p:nvCxnSpPr>
+        <p:spPr>
+          <a:xfrm>
+            <a:off x="1883229" y="3167743"/>
+            <a:ext cx="2590800" cy="0"/>
+          </a:xfrm>
+          <a:prstGeom prst="straightConnector1">
+            <a:avLst/>
+          </a:prstGeom>
+          <a:ln w="57150">
+            <a:solidFill>
+              <a:srgbClr val="7030A0"/>
+            </a:solidFill>
+            <a:tailEnd type="triangle"/>
+          </a:ln>
+        </p:spPr>
+        <p:style>
+          <a:lnRef idx="1">
+            <a:schemeClr val="accent1"/>
+          </a:lnRef>
+          <a:fillRef idx="0">
+            <a:schemeClr val="accent1"/>
+          </a:fillRef>
+          <a:effectRef idx="0">
+            <a:schemeClr val="accent1"/>
+          </a:effectRef>
+          <a:fontRef idx="minor">
+            <a:schemeClr val="tx1"/>
+          </a:fontRef>
+        </p:style>
+      </p:cxnSp>
+      <p:cxnSp>
+        <p:nvCxnSpPr>
+          <p:cNvPr id="9" name="Straight Arrow Connector 8">
+            <a:extLst>
+              <a:ext uri="{FF2B5EF4-FFF2-40B4-BE49-F238E27FC236}">
+                <a16:creationId xmlns:a16="http://schemas.microsoft.com/office/drawing/2014/main" id="{BE3F0C48-F3C6-3042-8E27-F3DAA082E0FC}"/>
+              </a:ext>
+            </a:extLst>
+          </p:cNvPr>
+          <p:cNvCxnSpPr/>
+          <p:nvPr/>
+        </p:nvCxnSpPr>
+        <p:spPr>
+          <a:xfrm>
+            <a:off x="5181600" y="1295400"/>
+            <a:ext cx="0" cy="1045029"/>
+          </a:xfrm>
+          <a:prstGeom prst="straightConnector1">
+            <a:avLst/>
+          </a:prstGeom>
+          <a:ln w="57150">
+            <a:solidFill>
+              <a:srgbClr val="002060"/>
+            </a:solidFill>
+            <a:tailEnd type="triangle"/>
+          </a:ln>
+        </p:spPr>
+        <p:style>
+          <a:lnRef idx="1">
+            <a:schemeClr val="accent1"/>
+          </a:lnRef>
+          <a:fillRef idx="0">
+            <a:schemeClr val="accent1"/>
+          </a:fillRef>
+          <a:effectRef idx="0">
+            <a:schemeClr val="accent1"/>
+          </a:effectRef>
+          <a:fontRef idx="minor">
+            <a:schemeClr val="tx1"/>
+          </a:fontRef>
+        </p:style>
+      </p:cxnSp>
+      <p:cxnSp>
+        <p:nvCxnSpPr>
+          <p:cNvPr id="10" name="Straight Arrow Connector 9">
+            <a:extLst>
+              <a:ext uri="{FF2B5EF4-FFF2-40B4-BE49-F238E27FC236}">
+                <a16:creationId xmlns:a16="http://schemas.microsoft.com/office/drawing/2014/main" id="{9883218B-E467-B743-97B9-162C4C92BBC6}"/>
+              </a:ext>
+            </a:extLst>
+          </p:cNvPr>
+          <p:cNvCxnSpPr/>
+          <p:nvPr/>
+        </p:nvCxnSpPr>
+        <p:spPr>
+          <a:xfrm>
+            <a:off x="5486400" y="1295400"/>
+            <a:ext cx="0" cy="1045029"/>
+          </a:xfrm>
+          <a:prstGeom prst="straightConnector1">
+            <a:avLst/>
+          </a:prstGeom>
+          <a:ln w="57150">
+            <a:solidFill>
+              <a:srgbClr val="002060"/>
+            </a:solidFill>
+            <a:tailEnd type="triangle"/>
+          </a:ln>
+        </p:spPr>
+        <p:style>
+          <a:lnRef idx="1">
+            <a:schemeClr val="accent1"/>
+          </a:lnRef>
+          <a:fillRef idx="0">
+            <a:schemeClr val="accent1"/>
+          </a:fillRef>
+          <a:effectRef idx="0">
+            <a:schemeClr val="accent1"/>
+          </a:effectRef>
+          <a:fontRef idx="minor">
+            <a:schemeClr val="tx1"/>
+          </a:fontRef>
+        </p:style>
+      </p:cxnSp>
+      <p:cxnSp>
+        <p:nvCxnSpPr>
+          <p:cNvPr id="11" name="Straight Arrow Connector 10">
+            <a:extLst>
+              <a:ext uri="{FF2B5EF4-FFF2-40B4-BE49-F238E27FC236}">
+                <a16:creationId xmlns:a16="http://schemas.microsoft.com/office/drawing/2014/main" id="{FB1F4C51-8BC9-E94A-B11F-E3F1B8913ADB}"/>
+              </a:ext>
+            </a:extLst>
+          </p:cNvPr>
+          <p:cNvCxnSpPr/>
+          <p:nvPr/>
+        </p:nvCxnSpPr>
+        <p:spPr>
+          <a:xfrm>
+            <a:off x="5856515" y="1295400"/>
+            <a:ext cx="0" cy="1045029"/>
+          </a:xfrm>
+          <a:prstGeom prst="straightConnector1">
+            <a:avLst/>
+          </a:prstGeom>
+          <a:ln w="57150">
+            <a:solidFill>
+              <a:srgbClr val="002060"/>
+            </a:solidFill>
+            <a:tailEnd type="triangle"/>
+          </a:ln>
+        </p:spPr>
+        <p:style>
+          <a:lnRef idx="1">
+            <a:schemeClr val="accent1"/>
+          </a:lnRef>
+          <a:fillRef idx="0">
+            <a:schemeClr val="accent1"/>
+          </a:fillRef>
+          <a:effectRef idx="0">
+            <a:schemeClr val="accent1"/>
+          </a:effectRef>
+          <a:fontRef idx="minor">
+            <a:schemeClr val="tx1"/>
+          </a:fontRef>
+        </p:style>
+      </p:cxnSp>
+      <p:cxnSp>
+        <p:nvCxnSpPr>
+          <p:cNvPr id="12" name="Straight Arrow Connector 11">
+            <a:extLst>
+              <a:ext uri="{FF2B5EF4-FFF2-40B4-BE49-F238E27FC236}">
+                <a16:creationId xmlns:a16="http://schemas.microsoft.com/office/drawing/2014/main" id="{2D652959-47AB-0442-9487-486E0DE54C1D}"/>
+              </a:ext>
+            </a:extLst>
+          </p:cNvPr>
+          <p:cNvCxnSpPr/>
+          <p:nvPr/>
+        </p:nvCxnSpPr>
+        <p:spPr>
+          <a:xfrm>
+            <a:off x="6248400" y="1295400"/>
+            <a:ext cx="0" cy="1045029"/>
+          </a:xfrm>
+          <a:prstGeom prst="straightConnector1">
+            <a:avLst/>
+          </a:prstGeom>
+          <a:ln w="57150">
+            <a:solidFill>
+              <a:srgbClr val="002060"/>
+            </a:solidFill>
+            <a:tailEnd type="triangle"/>
+          </a:ln>
+        </p:spPr>
+        <p:style>
+          <a:lnRef idx="1">
+            <a:schemeClr val="accent1"/>
+          </a:lnRef>
+          <a:fillRef idx="0">
+            <a:schemeClr val="accent1"/>
+          </a:fillRef>
+          <a:effectRef idx="0">
+            <a:schemeClr val="accent1"/>
+          </a:effectRef>
+          <a:fontRef idx="minor">
+            <a:schemeClr val="tx1"/>
+          </a:fontRef>
+        </p:style>
+      </p:cxnSp>
+      <p:cxnSp>
+        <p:nvCxnSpPr>
+          <p:cNvPr id="13" name="Straight Arrow Connector 12">
+            <a:extLst>
+              <a:ext uri="{FF2B5EF4-FFF2-40B4-BE49-F238E27FC236}">
+                <a16:creationId xmlns:a16="http://schemas.microsoft.com/office/drawing/2014/main" id="{4C0919FB-2C95-3D49-8937-6FF41864884E}"/>
+              </a:ext>
+            </a:extLst>
+          </p:cNvPr>
+          <p:cNvCxnSpPr/>
+          <p:nvPr/>
+        </p:nvCxnSpPr>
+        <p:spPr>
+          <a:xfrm>
+            <a:off x="6651172" y="1295400"/>
+            <a:ext cx="0" cy="1045029"/>
+          </a:xfrm>
+          <a:prstGeom prst="straightConnector1">
+            <a:avLst/>
+          </a:prstGeom>
+          <a:ln w="57150">
+            <a:solidFill>
+              <a:srgbClr val="002060"/>
+            </a:solidFill>
+            <a:tailEnd type="triangle"/>
+          </a:ln>
+        </p:spPr>
+        <p:style>
+          <a:lnRef idx="1">
+            <a:schemeClr val="accent1"/>
+          </a:lnRef>
+          <a:fillRef idx="0">
+            <a:schemeClr val="accent1"/>
+          </a:fillRef>
+          <a:effectRef idx="0">
+            <a:schemeClr val="accent1"/>
+          </a:effectRef>
+          <a:fontRef idx="minor">
+            <a:schemeClr val="tx1"/>
+          </a:fontRef>
+        </p:style>
+      </p:cxnSp>
+      <p:cxnSp>
+        <p:nvCxnSpPr>
+          <p:cNvPr id="15" name="Straight Arrow Connector 14">
+            <a:extLst>
+              <a:ext uri="{FF2B5EF4-FFF2-40B4-BE49-F238E27FC236}">
+                <a16:creationId xmlns:a16="http://schemas.microsoft.com/office/drawing/2014/main" id="{2C0B54B0-F230-814B-8D94-5F18C55CFC84}"/>
+              </a:ext>
+            </a:extLst>
+          </p:cNvPr>
+          <p:cNvCxnSpPr>
+            <a:cxnSpLocks/>
+          </p:cNvCxnSpPr>
+          <p:nvPr/>
+        </p:nvCxnSpPr>
+        <p:spPr>
+          <a:xfrm flipV="1">
+            <a:off x="5181600" y="4103915"/>
+            <a:ext cx="0" cy="903514"/>
+          </a:xfrm>
+          <a:prstGeom prst="straightConnector1">
+            <a:avLst/>
+          </a:prstGeom>
+          <a:ln w="57150">
+            <a:solidFill>
+              <a:srgbClr val="FF0000"/>
+            </a:solidFill>
+            <a:tailEnd type="triangle"/>
+          </a:ln>
+        </p:spPr>
+        <p:style>
+          <a:lnRef idx="1">
+            <a:schemeClr val="accent1"/>
+          </a:lnRef>
+          <a:fillRef idx="0">
+            <a:schemeClr val="accent1"/>
+          </a:fillRef>
+          <a:effectRef idx="0">
+            <a:schemeClr val="accent1"/>
+          </a:effectRef>
+          <a:fontRef idx="minor">
+            <a:schemeClr val="tx1"/>
+          </a:fontRef>
+        </p:style>
+      </p:cxnSp>
+      <p:cxnSp>
+        <p:nvCxnSpPr>
+          <p:cNvPr id="18" name="Straight Arrow Connector 17">
+            <a:extLst>
+              <a:ext uri="{FF2B5EF4-FFF2-40B4-BE49-F238E27FC236}">
+                <a16:creationId xmlns:a16="http://schemas.microsoft.com/office/drawing/2014/main" id="{2188D2FF-8093-7840-8413-0124F7CC9736}"/>
+              </a:ext>
+            </a:extLst>
+          </p:cNvPr>
+          <p:cNvCxnSpPr>
+            <a:cxnSpLocks/>
+          </p:cNvCxnSpPr>
+          <p:nvPr/>
+        </p:nvCxnSpPr>
+        <p:spPr>
+          <a:xfrm flipV="1">
+            <a:off x="5606143" y="4114801"/>
+            <a:ext cx="0" cy="903514"/>
+          </a:xfrm>
+          <a:prstGeom prst="straightConnector1">
+            <a:avLst/>
+          </a:prstGeom>
+          <a:ln w="57150">
+            <a:solidFill>
+              <a:srgbClr val="FF0000"/>
+            </a:solidFill>
+            <a:tailEnd type="triangle"/>
+          </a:ln>
+        </p:spPr>
+        <p:style>
+          <a:lnRef idx="1">
+            <a:schemeClr val="accent1"/>
+          </a:lnRef>
+          <a:fillRef idx="0">
+            <a:schemeClr val="accent1"/>
+          </a:fillRef>
+          <a:effectRef idx="0">
+            <a:schemeClr val="accent1"/>
+          </a:effectRef>
+          <a:fontRef idx="minor">
+            <a:schemeClr val="tx1"/>
+          </a:fontRef>
+        </p:style>
+      </p:cxnSp>
+      <p:cxnSp>
+        <p:nvCxnSpPr>
+          <p:cNvPr id="19" name="Straight Arrow Connector 18">
+            <a:extLst>
+              <a:ext uri="{FF2B5EF4-FFF2-40B4-BE49-F238E27FC236}">
+                <a16:creationId xmlns:a16="http://schemas.microsoft.com/office/drawing/2014/main" id="{79EC77CC-2003-F640-B7D1-BD5B7B2803AF}"/>
+              </a:ext>
+            </a:extLst>
+          </p:cNvPr>
+          <p:cNvCxnSpPr>
+            <a:cxnSpLocks/>
+          </p:cNvCxnSpPr>
+          <p:nvPr/>
+        </p:nvCxnSpPr>
+        <p:spPr>
+          <a:xfrm flipV="1">
+            <a:off x="5976257" y="4114801"/>
+            <a:ext cx="0" cy="903514"/>
+          </a:xfrm>
+          <a:prstGeom prst="straightConnector1">
+            <a:avLst/>
+          </a:prstGeom>
+          <a:ln w="57150">
+            <a:solidFill>
+              <a:srgbClr val="FF0000"/>
+            </a:solidFill>
+            <a:tailEnd type="triangle"/>
+          </a:ln>
+        </p:spPr>
+        <p:style>
+          <a:lnRef idx="1">
+            <a:schemeClr val="accent1"/>
+          </a:lnRef>
+          <a:fillRef idx="0">
+            <a:schemeClr val="accent1"/>
+          </a:fillRef>
+          <a:effectRef idx="0">
+            <a:schemeClr val="accent1"/>
+          </a:effectRef>
+          <a:fontRef idx="minor">
+            <a:schemeClr val="tx1"/>
+          </a:fontRef>
+        </p:style>
+      </p:cxnSp>
+      <p:cxnSp>
+        <p:nvCxnSpPr>
+          <p:cNvPr id="20" name="Straight Arrow Connector 19">
+            <a:extLst>
+              <a:ext uri="{FF2B5EF4-FFF2-40B4-BE49-F238E27FC236}">
+                <a16:creationId xmlns:a16="http://schemas.microsoft.com/office/drawing/2014/main" id="{40908041-DB95-5C43-A77A-079B8D8F197D}"/>
+              </a:ext>
+            </a:extLst>
+          </p:cNvPr>
+          <p:cNvCxnSpPr>
+            <a:cxnSpLocks/>
+          </p:cNvCxnSpPr>
+          <p:nvPr/>
+        </p:nvCxnSpPr>
+        <p:spPr>
+          <a:xfrm flipV="1">
+            <a:off x="6346371" y="4103914"/>
+            <a:ext cx="0" cy="903514"/>
+          </a:xfrm>
+          <a:prstGeom prst="straightConnector1">
+            <a:avLst/>
+          </a:prstGeom>
+          <a:ln w="57150">
+            <a:solidFill>
+              <a:srgbClr val="FF0000"/>
+            </a:solidFill>
+            <a:tailEnd type="triangle"/>
+          </a:ln>
+        </p:spPr>
+        <p:style>
+          <a:lnRef idx="1">
+            <a:schemeClr val="accent1"/>
+          </a:lnRef>
+          <a:fillRef idx="0">
+            <a:schemeClr val="accent1"/>
+          </a:fillRef>
+          <a:effectRef idx="0">
+            <a:schemeClr val="accent1"/>
+          </a:effectRef>
+          <a:fontRef idx="minor">
+            <a:schemeClr val="tx1"/>
+          </a:fontRef>
+        </p:style>
+      </p:cxnSp>
+      <p:cxnSp>
+        <p:nvCxnSpPr>
+          <p:cNvPr id="21" name="Straight Arrow Connector 20">
+            <a:extLst>
+              <a:ext uri="{FF2B5EF4-FFF2-40B4-BE49-F238E27FC236}">
+                <a16:creationId xmlns:a16="http://schemas.microsoft.com/office/drawing/2014/main" id="{98777859-EA1C-8648-ABAD-88DF6D0C1263}"/>
+              </a:ext>
+            </a:extLst>
+          </p:cNvPr>
+          <p:cNvCxnSpPr>
+            <a:cxnSpLocks/>
+          </p:cNvCxnSpPr>
+          <p:nvPr/>
+        </p:nvCxnSpPr>
+        <p:spPr>
+          <a:xfrm flipV="1">
+            <a:off x="6749143" y="4114801"/>
+            <a:ext cx="0" cy="903514"/>
+          </a:xfrm>
+          <a:prstGeom prst="straightConnector1">
+            <a:avLst/>
+          </a:prstGeom>
+          <a:ln w="57150">
+            <a:solidFill>
+              <a:srgbClr val="FF0000"/>
+            </a:solidFill>
+            <a:tailEnd type="triangle"/>
+          </a:ln>
+        </p:spPr>
+        <p:style>
+          <a:lnRef idx="1">
+            <a:schemeClr val="accent1"/>
+          </a:lnRef>
+          <a:fillRef idx="0">
+            <a:schemeClr val="accent1"/>
+          </a:fillRef>
+          <a:effectRef idx="0">
+            <a:schemeClr val="accent1"/>
+          </a:effectRef>
+          <a:fontRef idx="minor">
+            <a:schemeClr val="tx1"/>
+          </a:fontRef>
+        </p:style>
+      </p:cxnSp>
+      <p:cxnSp>
+        <p:nvCxnSpPr>
+          <p:cNvPr id="25" name="Straight Arrow Connector 24">
+            <a:extLst>
+              <a:ext uri="{FF2B5EF4-FFF2-40B4-BE49-F238E27FC236}">
+                <a16:creationId xmlns:a16="http://schemas.microsoft.com/office/drawing/2014/main" id="{54D14B43-CBE2-5449-99AC-659C69E70F3B}"/>
+              </a:ext>
+            </a:extLst>
+          </p:cNvPr>
+          <p:cNvCxnSpPr>
+            <a:cxnSpLocks/>
+            <a:stCxn id="5" idx="3"/>
+          </p:cNvCxnSpPr>
+          <p:nvPr/>
+        </p:nvCxnSpPr>
+        <p:spPr>
+          <a:xfrm>
+            <a:off x="7717971" y="3222172"/>
+            <a:ext cx="1578429" cy="0"/>
+          </a:xfrm>
+          <a:prstGeom prst="straightConnector1">
+            <a:avLst/>
+          </a:prstGeom>
+          <a:ln w="57150">
+            <a:solidFill>
+              <a:schemeClr val="accent4"/>
+            </a:solidFill>
+            <a:tailEnd type="triangle"/>
+          </a:ln>
+        </p:spPr>
+        <p:style>
+          <a:lnRef idx="1">
+            <a:schemeClr val="accent1"/>
+          </a:lnRef>
+          <a:fillRef idx="0">
+            <a:schemeClr val="accent1"/>
+          </a:fillRef>
+          <a:effectRef idx="0">
+            <a:schemeClr val="accent1"/>
+          </a:effectRef>
+          <a:fontRef idx="minor">
+            <a:schemeClr val="tx1"/>
+          </a:fontRef>
+        </p:style>
+      </p:cxnSp>
+      <p:sp>
+        <p:nvSpPr>
+          <p:cNvPr id="27" name="TextBox 26">
+            <a:extLst>
+              <a:ext uri="{FF2B5EF4-FFF2-40B4-BE49-F238E27FC236}">
+                <a16:creationId xmlns:a16="http://schemas.microsoft.com/office/drawing/2014/main" id="{C90AE318-A0DC-9A4D-B7FF-2C489D01175D}"/>
+              </a:ext>
+            </a:extLst>
+          </p:cNvPr>
+          <p:cNvSpPr txBox="1"/>
+          <p:nvPr/>
+        </p:nvSpPr>
+        <p:spPr>
+          <a:xfrm>
+            <a:off x="1883229" y="2340429"/>
+            <a:ext cx="1469571" cy="369332"/>
+          </a:xfrm>
+          <a:prstGeom prst="rect">
+            <a:avLst/>
+          </a:prstGeom>
+          <a:noFill/>
+        </p:spPr>
+        <p:txBody>
+          <a:bodyPr wrap="square" rtlCol="0">
+            <a:spAutoFit/>
+          </a:bodyPr>
+          <a:lstStyle/>
+          <a:p>
+            <a:r>
+              <a:rPr lang="en-US" dirty="0"/>
+              <a:t>Inputs</a:t>
+            </a:r>
+          </a:p>
+        </p:txBody>
+      </p:sp>
+      <p:sp>
+        <p:nvSpPr>
+          <p:cNvPr id="29" name="TextBox 28">
+            <a:extLst>
+              <a:ext uri="{FF2B5EF4-FFF2-40B4-BE49-F238E27FC236}">
+                <a16:creationId xmlns:a16="http://schemas.microsoft.com/office/drawing/2014/main" id="{765BCBEB-7762-364D-85D9-2486253715BD}"/>
+              </a:ext>
+            </a:extLst>
+          </p:cNvPr>
+          <p:cNvSpPr txBox="1"/>
+          <p:nvPr/>
+        </p:nvSpPr>
+        <p:spPr>
+          <a:xfrm>
+            <a:off x="4996542" y="5302125"/>
+            <a:ext cx="2536367" cy="646331"/>
+          </a:xfrm>
+          <a:prstGeom prst="rect">
+            <a:avLst/>
+          </a:prstGeom>
+          <a:noFill/>
+        </p:spPr>
+        <p:txBody>
+          <a:bodyPr wrap="square" rtlCol="0">
+            <a:spAutoFit/>
+          </a:bodyPr>
+          <a:lstStyle/>
+          <a:p>
+            <a:pPr algn="ctr"/>
+            <a:r>
+              <a:rPr lang="en-US" dirty="0"/>
+              <a:t>Uncontrollable factors (Z</a:t>
+            </a:r>
+            <a:r>
+              <a:rPr lang="en-US" baseline="-25000" dirty="0"/>
+              <a:t>1 , </a:t>
+            </a:r>
+            <a:r>
+              <a:rPr lang="en-US" dirty="0"/>
+              <a:t>Z</a:t>
+            </a:r>
+            <a:r>
+              <a:rPr lang="en-US" baseline="-25000" dirty="0"/>
+              <a:t>2,… </a:t>
+            </a:r>
+            <a:r>
+              <a:rPr lang="en-US" dirty="0" err="1"/>
+              <a:t>Z</a:t>
+            </a:r>
+            <a:r>
+              <a:rPr lang="en-US" baseline="-25000" dirty="0" err="1"/>
+              <a:t>q</a:t>
+            </a:r>
+            <a:r>
+              <a:rPr lang="en-US" baseline="-25000" dirty="0"/>
+              <a:t> </a:t>
+            </a:r>
+            <a:r>
+              <a:rPr lang="en-US" dirty="0"/>
+              <a:t>)</a:t>
+            </a:r>
+          </a:p>
+        </p:txBody>
+      </p:sp>
+      <p:sp>
+        <p:nvSpPr>
+          <p:cNvPr id="30" name="TextBox 29">
+            <a:extLst>
+              <a:ext uri="{FF2B5EF4-FFF2-40B4-BE49-F238E27FC236}">
+                <a16:creationId xmlns:a16="http://schemas.microsoft.com/office/drawing/2014/main" id="{5CC5682F-078A-9B43-8AE7-3BC61C6D4AE3}"/>
+              </a:ext>
+            </a:extLst>
+          </p:cNvPr>
+          <p:cNvSpPr txBox="1"/>
+          <p:nvPr/>
+        </p:nvSpPr>
+        <p:spPr>
+          <a:xfrm>
+            <a:off x="8969829" y="2411969"/>
+            <a:ext cx="1469571" cy="646331"/>
+          </a:xfrm>
+          <a:prstGeom prst="rect">
+            <a:avLst/>
+          </a:prstGeom>
+          <a:noFill/>
+        </p:spPr>
+        <p:txBody>
+          <a:bodyPr wrap="square" rtlCol="0">
+            <a:spAutoFit/>
+          </a:bodyPr>
+          <a:lstStyle/>
+          <a:p>
+            <a:pPr algn="ctr"/>
+            <a:r>
+              <a:rPr lang="en-US" dirty="0"/>
+              <a:t>Output</a:t>
+            </a:r>
+          </a:p>
+          <a:p>
+            <a:pPr algn="ctr"/>
+            <a:r>
+              <a:rPr lang="en-US" dirty="0"/>
+              <a:t> Y</a:t>
+            </a:r>
+          </a:p>
+        </p:txBody>
+      </p:sp>
+      <p:sp>
+        <p:nvSpPr>
+          <p:cNvPr id="31" name="TextBox 30">
+            <a:extLst>
+              <a:ext uri="{FF2B5EF4-FFF2-40B4-BE49-F238E27FC236}">
+                <a16:creationId xmlns:a16="http://schemas.microsoft.com/office/drawing/2014/main" id="{4106A14A-B962-2742-9F24-3C05953B6346}"/>
+              </a:ext>
+            </a:extLst>
+          </p:cNvPr>
+          <p:cNvSpPr txBox="1"/>
+          <p:nvPr/>
+        </p:nvSpPr>
+        <p:spPr>
+          <a:xfrm>
+            <a:off x="4822373" y="449720"/>
+            <a:ext cx="2536367" cy="646331"/>
+          </a:xfrm>
+          <a:prstGeom prst="rect">
+            <a:avLst/>
+          </a:prstGeom>
+          <a:noFill/>
+        </p:spPr>
+        <p:txBody>
+          <a:bodyPr wrap="square" rtlCol="0">
+            <a:spAutoFit/>
+          </a:bodyPr>
+          <a:lstStyle/>
+          <a:p>
+            <a:pPr algn="ctr"/>
+            <a:r>
+              <a:rPr lang="en-US" dirty="0"/>
+              <a:t>Controllable factors </a:t>
+            </a:r>
+          </a:p>
+          <a:p>
+            <a:pPr algn="ctr"/>
+            <a:r>
+              <a:rPr lang="en-US" dirty="0"/>
+              <a:t>(X</a:t>
+            </a:r>
+            <a:r>
+              <a:rPr lang="en-US" baseline="-25000" dirty="0"/>
+              <a:t>1 , </a:t>
+            </a:r>
+            <a:r>
+              <a:rPr lang="en-US" dirty="0"/>
+              <a:t>X</a:t>
+            </a:r>
+            <a:r>
+              <a:rPr lang="en-US" baseline="-25000" dirty="0"/>
+              <a:t>2,… </a:t>
+            </a:r>
+            <a:r>
+              <a:rPr lang="en-US" dirty="0" err="1"/>
+              <a:t>X</a:t>
+            </a:r>
+            <a:r>
+              <a:rPr lang="en-US" baseline="-25000" dirty="0" err="1"/>
+              <a:t>p</a:t>
+            </a:r>
+            <a:r>
+              <a:rPr lang="en-US" baseline="-25000" dirty="0"/>
+              <a:t> </a:t>
+            </a:r>
+            <a:r>
+              <a:rPr lang="en-US" dirty="0"/>
+              <a:t>)</a:t>
+            </a:r>
+          </a:p>
+        </p:txBody>
+      </p:sp>
+      <p:sp>
+        <p:nvSpPr>
+          <p:cNvPr id="32" name="TextBox 31">
+            <a:extLst>
+              <a:ext uri="{FF2B5EF4-FFF2-40B4-BE49-F238E27FC236}">
+                <a16:creationId xmlns:a16="http://schemas.microsoft.com/office/drawing/2014/main" id="{366B8AE9-731A-5F44-BE87-74D5C4263F5B}"/>
+              </a:ext>
+            </a:extLst>
+          </p:cNvPr>
+          <p:cNvSpPr txBox="1"/>
+          <p:nvPr/>
+        </p:nvSpPr>
+        <p:spPr>
+          <a:xfrm>
+            <a:off x="5574382" y="3058300"/>
+            <a:ext cx="1010283" cy="370700"/>
+          </a:xfrm>
+          <a:prstGeom prst="rect">
+            <a:avLst/>
+          </a:prstGeom>
+          <a:noFill/>
+        </p:spPr>
+        <p:txBody>
+          <a:bodyPr wrap="square" rtlCol="0">
+            <a:spAutoFit/>
+          </a:bodyPr>
+          <a:lstStyle/>
+          <a:p>
+            <a:r>
+              <a:rPr lang="en-US" dirty="0"/>
+              <a:t>Process</a:t>
+            </a:r>
+          </a:p>
+        </p:txBody>
+      </p:sp>
+    </p:spTree>
+    <p:extLst>
+      <p:ext uri="{BB962C8B-B14F-4D97-AF65-F5344CB8AC3E}">
+        <p14:creationId xmlns:p14="http://schemas.microsoft.com/office/powerpoint/2010/main" val="3521767760"/>
+      </p:ext>
+    </p:extLst>
+  </p:cSld>
+  <p:clrMapOvr>
+    <a:masterClrMapping/>
+  </p:clrMapOvr>
+</p:sld>
+</file>
+
 <file path=ppt/theme/theme1.xml><?xml version="1.0" encoding="utf-8"?>
 <a:theme xmlns:a="http://schemas.openxmlformats.org/drawingml/2006/main" name="Office Theme">
   <a:themeElements>
